--- a/Prezentare_Noteplan.pptx
+++ b/Prezentare_Noteplan.pptx
@@ -239,7 +239,7 @@
           <a:p>
             <a:fld id="{0D7E3EB1-AA95-4D9B-9DFC-D5AD269F71BF}" type="datetimeFigureOut">
               <a:rPr lang="ro-RO" smtClean="0"/>
-              <a:t>05.05.2025</a:t>
+              <a:t>23.05.2025</a:t>
             </a:fld>
             <a:endParaRPr lang="ro-RO"/>
           </a:p>
@@ -4872,7 +4872,7 @@
           <a:p>
             <a:fld id="{842CD987-D5F0-423A-B571-656612AAA3E1}" type="datetimeFigureOut">
               <a:rPr lang="en-US" smtClean="0"/>
-              <a:t>5/5/2025</a:t>
+              <a:t>5/23/2025</a:t>
             </a:fld>
             <a:endParaRPr lang="en-US"/>
           </a:p>
@@ -5035,7 +5035,7 @@
           <a:p>
             <a:fld id="{842CD987-D5F0-423A-B571-656612AAA3E1}" type="datetimeFigureOut">
               <a:rPr lang="en-US" smtClean="0"/>
-              <a:t>5/5/2025</a:t>
+              <a:t>5/23/2025</a:t>
             </a:fld>
             <a:endParaRPr lang="en-US"/>
           </a:p>
@@ -5208,7 +5208,7 @@
           <a:p>
             <a:fld id="{842CD987-D5F0-423A-B571-656612AAA3E1}" type="datetimeFigureOut">
               <a:rPr lang="en-US" smtClean="0"/>
-              <a:t>5/5/2025</a:t>
+              <a:t>5/23/2025</a:t>
             </a:fld>
             <a:endParaRPr lang="en-US"/>
           </a:p>
@@ -5371,7 +5371,7 @@
           <a:p>
             <a:fld id="{842CD987-D5F0-423A-B571-656612AAA3E1}" type="datetimeFigureOut">
               <a:rPr lang="en-US" smtClean="0"/>
-              <a:t>5/5/2025</a:t>
+              <a:t>5/23/2025</a:t>
             </a:fld>
             <a:endParaRPr lang="en-US"/>
           </a:p>
@@ -5611,7 +5611,7 @@
           <a:p>
             <a:fld id="{842CD987-D5F0-423A-B571-656612AAA3E1}" type="datetimeFigureOut">
               <a:rPr lang="en-US" smtClean="0"/>
-              <a:t>5/5/2025</a:t>
+              <a:t>5/23/2025</a:t>
             </a:fld>
             <a:endParaRPr lang="en-US"/>
           </a:p>
@@ -5835,7 +5835,7 @@
           <a:p>
             <a:fld id="{842CD987-D5F0-423A-B571-656612AAA3E1}" type="datetimeFigureOut">
               <a:rPr lang="en-US" smtClean="0"/>
-              <a:t>5/5/2025</a:t>
+              <a:t>5/23/2025</a:t>
             </a:fld>
             <a:endParaRPr lang="en-US"/>
           </a:p>
@@ -6194,7 +6194,7 @@
           <a:p>
             <a:fld id="{842CD987-D5F0-423A-B571-656612AAA3E1}" type="datetimeFigureOut">
               <a:rPr lang="en-US" smtClean="0"/>
-              <a:t>5/5/2025</a:t>
+              <a:t>5/23/2025</a:t>
             </a:fld>
             <a:endParaRPr lang="en-US"/>
           </a:p>
@@ -6306,7 +6306,7 @@
           <a:p>
             <a:fld id="{842CD987-D5F0-423A-B571-656612AAA3E1}" type="datetimeFigureOut">
               <a:rPr lang="en-US" smtClean="0"/>
-              <a:t>5/5/2025</a:t>
+              <a:t>5/23/2025</a:t>
             </a:fld>
             <a:endParaRPr lang="en-US"/>
           </a:p>
@@ -6396,7 +6396,7 @@
           <a:p>
             <a:fld id="{842CD987-D5F0-423A-B571-656612AAA3E1}" type="datetimeFigureOut">
               <a:rPr lang="en-US" smtClean="0"/>
-              <a:t>5/5/2025</a:t>
+              <a:t>5/23/2025</a:t>
             </a:fld>
             <a:endParaRPr lang="en-US"/>
           </a:p>
@@ -6666,7 +6666,7 @@
           <a:p>
             <a:fld id="{842CD987-D5F0-423A-B571-656612AAA3E1}" type="datetimeFigureOut">
               <a:rPr lang="en-US" smtClean="0"/>
-              <a:t>5/5/2025</a:t>
+              <a:t>5/23/2025</a:t>
             </a:fld>
             <a:endParaRPr lang="en-US"/>
           </a:p>
@@ -6913,7 +6913,7 @@
           <a:p>
             <a:fld id="{842CD987-D5F0-423A-B571-656612AAA3E1}" type="datetimeFigureOut">
               <a:rPr lang="en-US" smtClean="0"/>
-              <a:t>5/5/2025</a:t>
+              <a:t>5/23/2025</a:t>
             </a:fld>
             <a:endParaRPr lang="en-US"/>
           </a:p>
@@ -7124,7 +7124,7 @@
           <a:p>
             <a:fld id="{842CD987-D5F0-423A-B571-656612AAA3E1}" type="datetimeFigureOut">
               <a:rPr lang="en-US" smtClean="0"/>
-              <a:t>5/5/2025</a:t>
+              <a:t>5/23/2025</a:t>
             </a:fld>
             <a:endParaRPr lang="en-US"/>
           </a:p>
@@ -8351,12 +8351,14 @@
           <a:lstStyle/>
           <a:p>
             <a:r>
-              <a:rPr lang="en-US" sz="3600" dirty="0" err="1">
-                <a:latin typeface="UT Sans Bold" pitchFamily="50" charset="0"/>
+              <a:rPr lang="en-US" sz="3600" b="1" dirty="0" err="1">
+                <a:latin typeface="UT Sans" panose="00000500000000000000" pitchFamily="50" charset="0"/>
               </a:rPr>
               <a:t>NotePlan</a:t>
             </a:r>
-            <a:endParaRPr lang="en-US" dirty="0"/>
+            <a:endParaRPr lang="en-US" b="1" dirty="0">
+              <a:latin typeface="UT Sans" panose="00000500000000000000" pitchFamily="50" charset="0"/>
+            </a:endParaRPr>
           </a:p>
         </p:txBody>
       </p:sp>
@@ -8384,17 +8386,19 @@
           <a:p>
             <a:r>
               <a:rPr lang="en-US" sz="2400" dirty="0" err="1">
-                <a:latin typeface="UT Sans Bold" pitchFamily="50" charset="0"/>
+                <a:latin typeface="UT Sans" panose="00000500000000000000" pitchFamily="50" charset="0"/>
               </a:rPr>
               <a:t>Nume</a:t>
             </a:r>
             <a:r>
               <a:rPr lang="en-US" sz="2400" dirty="0">
-                <a:latin typeface="UT Sans Bold" pitchFamily="50" charset="0"/>
+                <a:latin typeface="UT Sans" panose="00000500000000000000" pitchFamily="50" charset="0"/>
               </a:rPr>
               <a:t>: Andrei Bertescu</a:t>
             </a:r>
-            <a:endParaRPr lang="en-US" sz="1200" dirty="0"/>
+            <a:endParaRPr lang="en-US" sz="1200" dirty="0">
+              <a:latin typeface="UT Sans" panose="00000500000000000000" pitchFamily="50" charset="0"/>
+            </a:endParaRPr>
           </a:p>
         </p:txBody>
       </p:sp>
@@ -8428,23 +8432,25 @@
           <a:p>
             <a:r>
               <a:rPr lang="en-US" sz="2400" dirty="0" err="1">
-                <a:latin typeface="UT Sans Bold" pitchFamily="50" charset="0"/>
+                <a:latin typeface="UT Sans" panose="00000500000000000000" pitchFamily="50" charset="0"/>
               </a:rPr>
               <a:t>Coordonator</a:t>
             </a:r>
             <a:r>
               <a:rPr lang="en-US" sz="2400" dirty="0">
-                <a:latin typeface="UT Sans Bold" pitchFamily="50" charset="0"/>
+                <a:latin typeface="UT Sans" panose="00000500000000000000" pitchFamily="50" charset="0"/>
               </a:rPr>
               <a:t>: Iulian Gabriel Gavril</a:t>
             </a:r>
             <a:r>
               <a:rPr lang="ro-RO" sz="2400" dirty="0">
-                <a:latin typeface="UT Sans Bold" pitchFamily="50" charset="0"/>
+                <a:latin typeface="UT Sans" panose="00000500000000000000" pitchFamily="50" charset="0"/>
               </a:rPr>
               <a:t>ă</a:t>
             </a:r>
-            <a:endParaRPr lang="en-US" sz="1200" dirty="0"/>
+            <a:endParaRPr lang="en-US" sz="1200" dirty="0">
+              <a:latin typeface="UT Sans" panose="00000500000000000000" pitchFamily="50" charset="0"/>
+            </a:endParaRPr>
           </a:p>
         </p:txBody>
       </p:sp>
@@ -8669,8 +8675,8 @@
           <a:p>
             <a:pPr algn="ctr"/>
             <a:r>
-              <a:rPr lang="en-US" sz="3600" dirty="0">
-                <a:latin typeface="UT Sans Bold" pitchFamily="50" charset="0"/>
+              <a:rPr lang="en-US" sz="3600" b="1" dirty="0">
+                <a:latin typeface="UT Sans" panose="00000500000000000000" pitchFamily="50" charset="0"/>
               </a:rPr>
               <a:t>TESTARE</a:t>
             </a:r>
@@ -9157,8 +9163,8 @@
           <a:p>
             <a:pPr algn="ctr"/>
             <a:r>
-              <a:rPr lang="en-US" sz="2800" dirty="0">
-                <a:latin typeface="UT Sans Bold" pitchFamily="50" charset="0"/>
+              <a:rPr lang="en-US" sz="2800" b="1" dirty="0">
+                <a:latin typeface="UT Sans" panose="00000500000000000000" pitchFamily="50" charset="0"/>
               </a:rPr>
               <a:t>GIT ACTIONS</a:t>
             </a:r>
@@ -9166,8 +9172,8 @@
           <a:p>
             <a:pPr algn="ctr"/>
             <a:r>
-              <a:rPr lang="en-US" sz="2800" dirty="0">
-                <a:latin typeface="UT Sans Bold" pitchFamily="50" charset="0"/>
+              <a:rPr lang="en-US" sz="2800" b="1" dirty="0">
+                <a:latin typeface="UT Sans" panose="00000500000000000000" pitchFamily="50" charset="0"/>
               </a:rPr>
               <a:t>DOCKER COMPOSE</a:t>
             </a:r>
@@ -9502,51 +9508,53 @@
           <a:p>
             <a:pPr algn="ctr"/>
             <a:r>
-              <a:rPr lang="en-US" sz="4800" dirty="0">
-                <a:latin typeface="UT Sans Bold" pitchFamily="50" charset="0"/>
+              <a:rPr lang="en-US" sz="4800" b="1" dirty="0">
+                <a:latin typeface="UT Sans" panose="00000500000000000000" pitchFamily="50" charset="0"/>
               </a:rPr>
               <a:t>VA MUL</a:t>
             </a:r>
             <a:r>
-              <a:rPr lang="ro-RO" sz="4800" dirty="0">
-                <a:latin typeface="UT Sans Bold" pitchFamily="50" charset="0"/>
+              <a:rPr lang="ro-RO" sz="4800" b="1" dirty="0">
+                <a:latin typeface="UT Sans" panose="00000500000000000000" pitchFamily="50" charset="0"/>
               </a:rPr>
               <a:t>Ț</a:t>
             </a:r>
             <a:r>
-              <a:rPr lang="en-US" sz="4800" dirty="0">
-                <a:latin typeface="UT Sans Bold" pitchFamily="50" charset="0"/>
+              <a:rPr lang="en-US" sz="4800" b="1" dirty="0">
+                <a:latin typeface="UT Sans" panose="00000500000000000000" pitchFamily="50" charset="0"/>
               </a:rPr>
               <a:t>UMESC!</a:t>
             </a:r>
           </a:p>
           <a:p>
             <a:pPr algn="ctr"/>
-            <a:endParaRPr lang="en-US" sz="4800" dirty="0">
-              <a:latin typeface="UT Sans Bold" pitchFamily="50" charset="0"/>
+            <a:endParaRPr lang="en-US" sz="4800" b="1" dirty="0">
+              <a:latin typeface="UT Sans" panose="00000500000000000000" pitchFamily="50" charset="0"/>
             </a:endParaRPr>
           </a:p>
           <a:p>
             <a:pPr algn="ctr"/>
             <a:r>
-              <a:rPr lang="en-US" sz="4800" dirty="0">
-                <a:latin typeface="UT Sans Bold" pitchFamily="50" charset="0"/>
+              <a:rPr lang="en-US" sz="4800" b="1" dirty="0">
+                <a:latin typeface="UT Sans" panose="00000500000000000000" pitchFamily="50" charset="0"/>
               </a:rPr>
               <a:t>INTREB</a:t>
             </a:r>
             <a:r>
-              <a:rPr lang="ro-RO" sz="4800" dirty="0">
-                <a:latin typeface="UT Sans Bold" pitchFamily="50" charset="0"/>
+              <a:rPr lang="ro-RO" sz="4800" b="1" dirty="0">
+                <a:latin typeface="UT Sans" panose="00000500000000000000" pitchFamily="50" charset="0"/>
               </a:rPr>
               <a:t>Ă</a:t>
             </a:r>
             <a:r>
-              <a:rPr lang="en-US" sz="4800" dirty="0">
-                <a:latin typeface="UT Sans Bold" pitchFamily="50" charset="0"/>
+              <a:rPr lang="en-US" sz="4800" b="1" dirty="0">
+                <a:latin typeface="UT Sans" panose="00000500000000000000" pitchFamily="50" charset="0"/>
               </a:rPr>
               <a:t>RI?</a:t>
             </a:r>
-            <a:endParaRPr lang="en-US" sz="2800" dirty="0"/>
+            <a:endParaRPr lang="en-US" sz="2800" b="1" dirty="0">
+              <a:latin typeface="UT Sans" panose="00000500000000000000" pitchFamily="50" charset="0"/>
+            </a:endParaRPr>
           </a:p>
         </p:txBody>
       </p:sp>
@@ -9624,8 +9632,8 @@
         </p:nvSpPr>
         <p:spPr>
           <a:xfrm>
-            <a:off x="3131839" y="398944"/>
-            <a:ext cx="3060342" cy="646331"/>
+            <a:off x="2663788" y="398944"/>
+            <a:ext cx="3996444" cy="646331"/>
           </a:xfrm>
           <a:prstGeom prst="rect">
             <a:avLst/>
@@ -9640,12 +9648,14 @@
           <a:p>
             <a:pPr algn="ctr"/>
             <a:r>
-              <a:rPr lang="en-US" sz="3600" dirty="0">
-                <a:latin typeface="UT Sans Bold" pitchFamily="50" charset="0"/>
+              <a:rPr lang="en-US" sz="3600" b="1" dirty="0">
+                <a:latin typeface="UT Sans" panose="00000500000000000000" pitchFamily="50" charset="0"/>
               </a:rPr>
               <a:t>INTRODUCERE</a:t>
             </a:r>
-            <a:endParaRPr lang="en-US" dirty="0"/>
+            <a:endParaRPr lang="en-US" b="1" dirty="0">
+              <a:latin typeface="UT Sans" panose="00000500000000000000" pitchFamily="50" charset="0"/>
+            </a:endParaRPr>
           </a:p>
         </p:txBody>
       </p:sp>
@@ -9709,161 +9719,163 @@
             <a:pPr algn="ctr"/>
             <a:r>
               <a:rPr lang="en-US" sz="2400" b="1" dirty="0" err="1">
-                <a:latin typeface="UT Sans Bold" pitchFamily="50" charset="0"/>
+                <a:latin typeface="UT Sans" panose="00000500000000000000" pitchFamily="50" charset="0"/>
               </a:rPr>
               <a:t>NotePlan</a:t>
             </a:r>
             <a:r>
               <a:rPr lang="en-US" sz="2400" dirty="0">
-                <a:latin typeface="UT Sans Bold" pitchFamily="50" charset="0"/>
+                <a:latin typeface="UT Sans" panose="00000500000000000000" pitchFamily="50" charset="0"/>
               </a:rPr>
               <a:t> </a:t>
             </a:r>
             <a:r>
               <a:rPr lang="en-US" sz="2400" dirty="0" err="1">
-                <a:latin typeface="UT Sans Bold" pitchFamily="50" charset="0"/>
+                <a:latin typeface="UT Sans" panose="00000500000000000000" pitchFamily="50" charset="0"/>
               </a:rPr>
               <a:t>este</a:t>
             </a:r>
             <a:r>
               <a:rPr lang="en-US" sz="2400" dirty="0">
-                <a:latin typeface="UT Sans Bold" pitchFamily="50" charset="0"/>
+                <a:latin typeface="UT Sans" panose="00000500000000000000" pitchFamily="50" charset="0"/>
               </a:rPr>
               <a:t> o </a:t>
             </a:r>
             <a:r>
               <a:rPr lang="en-US" sz="2400" dirty="0" err="1">
-                <a:latin typeface="UT Sans Bold" pitchFamily="50" charset="0"/>
+                <a:latin typeface="UT Sans" panose="00000500000000000000" pitchFamily="50" charset="0"/>
               </a:rPr>
               <a:t>aplicație</a:t>
             </a:r>
             <a:r>
               <a:rPr lang="en-US" sz="2400" dirty="0">
-                <a:latin typeface="UT Sans Bold" pitchFamily="50" charset="0"/>
+                <a:latin typeface="UT Sans" panose="00000500000000000000" pitchFamily="50" charset="0"/>
               </a:rPr>
               <a:t> </a:t>
             </a:r>
             <a:r>
               <a:rPr lang="en-US" sz="2400" dirty="0" err="1">
-                <a:latin typeface="UT Sans Bold" pitchFamily="50" charset="0"/>
+                <a:latin typeface="UT Sans" panose="00000500000000000000" pitchFamily="50" charset="0"/>
               </a:rPr>
               <a:t>în</a:t>
             </a:r>
             <a:r>
               <a:rPr lang="en-US" sz="2400" dirty="0">
-                <a:latin typeface="UT Sans Bold" pitchFamily="50" charset="0"/>
+                <a:latin typeface="UT Sans" panose="00000500000000000000" pitchFamily="50" charset="0"/>
               </a:rPr>
               <a:t> care </a:t>
             </a:r>
             <a:r>
               <a:rPr lang="ro-RO" sz="2400" dirty="0" err="1">
-                <a:latin typeface="UT Sans Bold" pitchFamily="50" charset="0"/>
+                <a:latin typeface="UT Sans" panose="00000500000000000000" pitchFamily="50" charset="0"/>
               </a:rPr>
               <a:t>îț</a:t>
             </a:r>
             <a:r>
               <a:rPr lang="en-US" sz="2400" dirty="0" err="1">
-                <a:latin typeface="UT Sans Bold" pitchFamily="50" charset="0"/>
+                <a:latin typeface="UT Sans" panose="00000500000000000000" pitchFamily="50" charset="0"/>
               </a:rPr>
               <a:t>i</a:t>
             </a:r>
             <a:r>
               <a:rPr lang="en-US" sz="2400" dirty="0">
-                <a:latin typeface="UT Sans Bold" pitchFamily="50" charset="0"/>
+                <a:latin typeface="UT Sans" panose="00000500000000000000" pitchFamily="50" charset="0"/>
               </a:rPr>
               <a:t> po</a:t>
             </a:r>
             <a:r>
               <a:rPr lang="ro-RO" sz="2400" dirty="0">
-                <a:latin typeface="UT Sans Bold" pitchFamily="50" charset="0"/>
+                <a:latin typeface="UT Sans" panose="00000500000000000000" pitchFamily="50" charset="0"/>
               </a:rPr>
               <a:t>ț</a:t>
             </a:r>
             <a:r>
               <a:rPr lang="en-US" sz="2400" dirty="0" err="1">
-                <a:latin typeface="UT Sans Bold" pitchFamily="50" charset="0"/>
+                <a:latin typeface="UT Sans" panose="00000500000000000000" pitchFamily="50" charset="0"/>
               </a:rPr>
               <a:t>i</a:t>
             </a:r>
             <a:r>
               <a:rPr lang="en-US" sz="2400" dirty="0">
-                <a:latin typeface="UT Sans Bold" pitchFamily="50" charset="0"/>
+                <a:latin typeface="UT Sans" panose="00000500000000000000" pitchFamily="50" charset="0"/>
               </a:rPr>
               <a:t> </a:t>
             </a:r>
             <a:r>
               <a:rPr lang="en-US" sz="2400" dirty="0" err="1">
-                <a:latin typeface="UT Sans Bold" pitchFamily="50" charset="0"/>
+                <a:latin typeface="UT Sans" panose="00000500000000000000" pitchFamily="50" charset="0"/>
               </a:rPr>
               <a:t>centraliza</a:t>
             </a:r>
             <a:r>
               <a:rPr lang="en-US" sz="2400" dirty="0">
-                <a:latin typeface="UT Sans Bold" pitchFamily="50" charset="0"/>
+                <a:latin typeface="UT Sans" panose="00000500000000000000" pitchFamily="50" charset="0"/>
               </a:rPr>
               <a:t> </a:t>
             </a:r>
             <a:r>
               <a:rPr lang="en-US" sz="2400" dirty="0" err="1">
-                <a:latin typeface="UT Sans Bold" pitchFamily="50" charset="0"/>
+                <a:latin typeface="UT Sans" panose="00000500000000000000" pitchFamily="50" charset="0"/>
               </a:rPr>
               <a:t>toate</a:t>
             </a:r>
             <a:r>
               <a:rPr lang="en-US" sz="2400" dirty="0">
-                <a:latin typeface="UT Sans Bold" pitchFamily="50" charset="0"/>
+                <a:latin typeface="UT Sans" panose="00000500000000000000" pitchFamily="50" charset="0"/>
               </a:rPr>
               <a:t> </a:t>
             </a:r>
             <a:r>
               <a:rPr lang="en-US" sz="2400" dirty="0" err="1">
-                <a:latin typeface="UT Sans Bold" pitchFamily="50" charset="0"/>
+                <a:latin typeface="UT Sans" panose="00000500000000000000" pitchFamily="50" charset="0"/>
               </a:rPr>
               <a:t>evenimentele</a:t>
             </a:r>
             <a:r>
               <a:rPr lang="en-US" sz="2400" dirty="0">
-                <a:latin typeface="UT Sans Bold" pitchFamily="50" charset="0"/>
+                <a:latin typeface="UT Sans" panose="00000500000000000000" pitchFamily="50" charset="0"/>
               </a:rPr>
               <a:t> </a:t>
             </a:r>
             <a:r>
               <a:rPr lang="en-US" sz="2400" dirty="0" err="1">
-                <a:latin typeface="UT Sans Bold" pitchFamily="50" charset="0"/>
+                <a:latin typeface="UT Sans" panose="00000500000000000000" pitchFamily="50" charset="0"/>
               </a:rPr>
               <a:t>și</a:t>
             </a:r>
             <a:r>
               <a:rPr lang="en-US" sz="2400" dirty="0">
-                <a:latin typeface="UT Sans Bold" pitchFamily="50" charset="0"/>
+                <a:latin typeface="UT Sans" panose="00000500000000000000" pitchFamily="50" charset="0"/>
               </a:rPr>
               <a:t> </a:t>
             </a:r>
             <a:r>
               <a:rPr lang="en-US" sz="2400" dirty="0" err="1">
-                <a:latin typeface="UT Sans Bold" pitchFamily="50" charset="0"/>
+                <a:latin typeface="UT Sans" panose="00000500000000000000" pitchFamily="50" charset="0"/>
               </a:rPr>
               <a:t>noti</a:t>
             </a:r>
             <a:r>
               <a:rPr lang="ro-RO" sz="2400" dirty="0">
-                <a:latin typeface="UT Sans Bold" pitchFamily="50" charset="0"/>
+                <a:latin typeface="UT Sans" panose="00000500000000000000" pitchFamily="50" charset="0"/>
               </a:rPr>
               <a:t>ț</a:t>
             </a:r>
             <a:r>
               <a:rPr lang="en-US" sz="2400" dirty="0" err="1">
-                <a:latin typeface="UT Sans Bold" pitchFamily="50" charset="0"/>
+                <a:latin typeface="UT Sans" panose="00000500000000000000" pitchFamily="50" charset="0"/>
               </a:rPr>
               <a:t>ele</a:t>
             </a:r>
             <a:r>
               <a:rPr lang="en-US" sz="2400" dirty="0">
-                <a:latin typeface="UT Sans Bold" pitchFamily="50" charset="0"/>
+                <a:latin typeface="UT Sans" panose="00000500000000000000" pitchFamily="50" charset="0"/>
               </a:rPr>
               <a:t>.</a:t>
             </a:r>
-            <a:endParaRPr lang="en-US" sz="1200" dirty="0"/>
+            <a:endParaRPr lang="en-US" sz="1200" dirty="0">
+              <a:latin typeface="UT Sans" panose="00000500000000000000" pitchFamily="50" charset="0"/>
+            </a:endParaRPr>
           </a:p>
         </p:txBody>
       </p:sp>
@@ -10073,7 +10085,7 @@
         <p:spPr>
           <a:xfrm>
             <a:off x="503548" y="1143071"/>
-            <a:ext cx="3798652" cy="646331"/>
+            <a:ext cx="4824536" cy="646331"/>
           </a:xfrm>
           <a:prstGeom prst="rect">
             <a:avLst/>
@@ -10087,8 +10099,8 @@
           <a:lstStyle/>
           <a:p>
             <a:r>
-              <a:rPr lang="en-US" sz="3600" dirty="0">
-                <a:latin typeface="UT Sans Bold" pitchFamily="50" charset="0"/>
+              <a:rPr lang="en-US" sz="3600" b="1" dirty="0">
+                <a:latin typeface="UT Sans" panose="00000500000000000000" pitchFamily="50" charset="0"/>
               </a:rPr>
               <a:t>UNELTE FOLOSITE</a:t>
             </a:r>
@@ -10204,7 +10216,7 @@
             </a:pPr>
             <a:r>
               <a:rPr lang="en-US" sz="2000" dirty="0">
-                <a:latin typeface="UT Sans" pitchFamily="50" charset="0"/>
+                <a:latin typeface="UT Sans" panose="00000500000000000000" pitchFamily="50" charset="0"/>
               </a:rPr>
               <a:t>Java</a:t>
             </a:r>
@@ -10216,24 +10228,24 @@
             </a:pPr>
             <a:r>
               <a:rPr lang="en-US" dirty="0" err="1">
-                <a:latin typeface="UT Sans" pitchFamily="50" charset="0"/>
+                <a:latin typeface="UT Sans" panose="00000500000000000000" pitchFamily="50" charset="0"/>
               </a:rPr>
               <a:t>Limbajul</a:t>
             </a:r>
             <a:r>
               <a:rPr lang="en-US" dirty="0">
-                <a:latin typeface="UT Sans" pitchFamily="50" charset="0"/>
+                <a:latin typeface="UT Sans" panose="00000500000000000000" pitchFamily="50" charset="0"/>
               </a:rPr>
               <a:t> principal de </a:t>
             </a:r>
             <a:r>
               <a:rPr lang="en-US" dirty="0" err="1">
-                <a:latin typeface="UT Sans" pitchFamily="50" charset="0"/>
+                <a:latin typeface="UT Sans" panose="00000500000000000000" pitchFamily="50" charset="0"/>
               </a:rPr>
               <a:t>programare</a:t>
             </a:r>
             <a:endParaRPr lang="en-US" dirty="0">
-              <a:latin typeface="UT Sans" pitchFamily="50" charset="0"/>
+              <a:latin typeface="UT Sans" panose="00000500000000000000" pitchFamily="50" charset="0"/>
             </a:endParaRPr>
           </a:p>
           <a:p>
@@ -10244,7 +10256,7 @@
             </a:pPr>
             <a:r>
               <a:rPr lang="en-US" sz="2000" dirty="0">
-                <a:latin typeface="UT Sans" pitchFamily="50" charset="0"/>
+                <a:latin typeface="UT Sans" panose="00000500000000000000" pitchFamily="50" charset="0"/>
               </a:rPr>
               <a:t>Spring Boot</a:t>
             </a:r>
@@ -10256,66 +10268,66 @@
             </a:pPr>
             <a:r>
               <a:rPr lang="en-US" dirty="0">
-                <a:latin typeface="UT Sans" pitchFamily="50" charset="0"/>
+                <a:latin typeface="UT Sans" panose="00000500000000000000" pitchFamily="50" charset="0"/>
               </a:rPr>
               <a:t>Framework-ul </a:t>
             </a:r>
             <a:r>
               <a:rPr lang="en-US" dirty="0" err="1">
-                <a:latin typeface="UT Sans" pitchFamily="50" charset="0"/>
+                <a:latin typeface="UT Sans" panose="00000500000000000000" pitchFamily="50" charset="0"/>
               </a:rPr>
               <a:t>utilizat</a:t>
             </a:r>
             <a:r>
               <a:rPr lang="en-US" dirty="0">
-                <a:latin typeface="UT Sans" pitchFamily="50" charset="0"/>
+                <a:latin typeface="UT Sans" panose="00000500000000000000" pitchFamily="50" charset="0"/>
               </a:rPr>
               <a:t> </a:t>
             </a:r>
             <a:r>
               <a:rPr lang="en-US" dirty="0" err="1">
-                <a:latin typeface="UT Sans" pitchFamily="50" charset="0"/>
+                <a:latin typeface="UT Sans" panose="00000500000000000000" pitchFamily="50" charset="0"/>
               </a:rPr>
               <a:t>pentru</a:t>
             </a:r>
             <a:r>
               <a:rPr lang="en-US" dirty="0">
-                <a:latin typeface="UT Sans" pitchFamily="50" charset="0"/>
+                <a:latin typeface="UT Sans" panose="00000500000000000000" pitchFamily="50" charset="0"/>
               </a:rPr>
               <a:t> </a:t>
             </a:r>
             <a:r>
               <a:rPr lang="en-US" dirty="0" err="1">
-                <a:latin typeface="UT Sans" pitchFamily="50" charset="0"/>
+                <a:latin typeface="UT Sans" panose="00000500000000000000" pitchFamily="50" charset="0"/>
               </a:rPr>
               <a:t>dezvoltarea</a:t>
             </a:r>
             <a:r>
               <a:rPr lang="en-US" dirty="0">
-                <a:latin typeface="UT Sans" pitchFamily="50" charset="0"/>
+                <a:latin typeface="UT Sans" panose="00000500000000000000" pitchFamily="50" charset="0"/>
               </a:rPr>
               <a:t> </a:t>
             </a:r>
             <a:r>
               <a:rPr lang="en-US" dirty="0" err="1">
-                <a:latin typeface="UT Sans" pitchFamily="50" charset="0"/>
+                <a:latin typeface="UT Sans" panose="00000500000000000000" pitchFamily="50" charset="0"/>
               </a:rPr>
               <a:t>alica</a:t>
             </a:r>
             <a:r>
               <a:rPr lang="ro-RO" dirty="0">
-                <a:latin typeface="UT Sans" pitchFamily="50" charset="0"/>
+                <a:latin typeface="UT Sans" panose="00000500000000000000" pitchFamily="50" charset="0"/>
               </a:rPr>
               <a:t>ț</a:t>
             </a:r>
             <a:r>
               <a:rPr lang="en-US" dirty="0" err="1">
-                <a:latin typeface="UT Sans" pitchFamily="50" charset="0"/>
+                <a:latin typeface="UT Sans" panose="00000500000000000000" pitchFamily="50" charset="0"/>
               </a:rPr>
               <a:t>iei</a:t>
             </a:r>
             <a:endParaRPr lang="en-US" dirty="0">
-              <a:latin typeface="UT Sans" pitchFamily="50" charset="0"/>
+              <a:latin typeface="UT Sans" panose="00000500000000000000" pitchFamily="50" charset="0"/>
             </a:endParaRPr>
           </a:p>
           <a:p>
@@ -10326,7 +10338,7 @@
             </a:pPr>
             <a:r>
               <a:rPr lang="en-US" sz="2000" dirty="0">
-                <a:latin typeface="UT Sans" pitchFamily="50" charset="0"/>
+                <a:latin typeface="UT Sans" panose="00000500000000000000" pitchFamily="50" charset="0"/>
               </a:rPr>
               <a:t>Spring Security</a:t>
             </a:r>
@@ -10338,72 +10350,72 @@
             </a:pPr>
             <a:r>
               <a:rPr lang="en-US" dirty="0" err="1">
-                <a:latin typeface="UT Sans" pitchFamily="50" charset="0"/>
+                <a:latin typeface="UT Sans" panose="00000500000000000000" pitchFamily="50" charset="0"/>
               </a:rPr>
               <a:t>Gestioneaz</a:t>
             </a:r>
             <a:r>
               <a:rPr lang="ro-RO" dirty="0">
-                <a:latin typeface="UT Sans" pitchFamily="50" charset="0"/>
+                <a:latin typeface="UT Sans" panose="00000500000000000000" pitchFamily="50" charset="0"/>
               </a:rPr>
               <a:t>ă</a:t>
             </a:r>
             <a:r>
               <a:rPr lang="en-US" dirty="0">
-                <a:latin typeface="UT Sans" pitchFamily="50" charset="0"/>
+                <a:latin typeface="UT Sans" panose="00000500000000000000" pitchFamily="50" charset="0"/>
               </a:rPr>
               <a:t> </a:t>
             </a:r>
             <a:r>
               <a:rPr lang="en-US" dirty="0" err="1">
-                <a:latin typeface="UT Sans" pitchFamily="50" charset="0"/>
+                <a:latin typeface="UT Sans" panose="00000500000000000000" pitchFamily="50" charset="0"/>
               </a:rPr>
               <a:t>autentificarea</a:t>
             </a:r>
             <a:r>
               <a:rPr lang="en-US" dirty="0">
-                <a:latin typeface="UT Sans" pitchFamily="50" charset="0"/>
+                <a:latin typeface="UT Sans" panose="00000500000000000000" pitchFamily="50" charset="0"/>
               </a:rPr>
               <a:t> </a:t>
             </a:r>
             <a:r>
               <a:rPr lang="ro-RO" dirty="0">
-                <a:latin typeface="UT Sans" pitchFamily="50" charset="0"/>
+                <a:latin typeface="UT Sans" panose="00000500000000000000" pitchFamily="50" charset="0"/>
               </a:rPr>
               <a:t>ș</a:t>
             </a:r>
             <a:r>
               <a:rPr lang="en-US" dirty="0" err="1">
-                <a:latin typeface="UT Sans" pitchFamily="50" charset="0"/>
+                <a:latin typeface="UT Sans" panose="00000500000000000000" pitchFamily="50" charset="0"/>
               </a:rPr>
               <a:t>i</a:t>
             </a:r>
             <a:r>
               <a:rPr lang="en-US" dirty="0">
-                <a:latin typeface="UT Sans" pitchFamily="50" charset="0"/>
+                <a:latin typeface="UT Sans" panose="00000500000000000000" pitchFamily="50" charset="0"/>
               </a:rPr>
               <a:t> </a:t>
             </a:r>
             <a:r>
               <a:rPr lang="en-US" dirty="0" err="1">
-                <a:latin typeface="UT Sans" pitchFamily="50" charset="0"/>
+                <a:latin typeface="UT Sans" panose="00000500000000000000" pitchFamily="50" charset="0"/>
               </a:rPr>
               <a:t>autorizarea</a:t>
             </a:r>
             <a:r>
               <a:rPr lang="en-US" dirty="0">
-                <a:latin typeface="UT Sans" pitchFamily="50" charset="0"/>
+                <a:latin typeface="UT Sans" panose="00000500000000000000" pitchFamily="50" charset="0"/>
               </a:rPr>
               <a:t> </a:t>
             </a:r>
             <a:r>
               <a:rPr lang="en-US" dirty="0" err="1">
-                <a:latin typeface="UT Sans" pitchFamily="50" charset="0"/>
+                <a:latin typeface="UT Sans" panose="00000500000000000000" pitchFamily="50" charset="0"/>
               </a:rPr>
               <a:t>utilizatorilor</a:t>
             </a:r>
             <a:endParaRPr lang="en-US" dirty="0">
-              <a:latin typeface="UT Sans" pitchFamily="50" charset="0"/>
+              <a:latin typeface="UT Sans" panose="00000500000000000000" pitchFamily="50" charset="0"/>
             </a:endParaRPr>
           </a:p>
           <a:p>
@@ -10414,7 +10426,7 @@
             </a:pPr>
             <a:r>
               <a:rPr lang="en-US" sz="2000" dirty="0">
-                <a:latin typeface="UT Sans" pitchFamily="50" charset="0"/>
+                <a:latin typeface="UT Sans" panose="00000500000000000000" pitchFamily="50" charset="0"/>
               </a:rPr>
               <a:t>Maven</a:t>
             </a:r>
@@ -10426,91 +10438,91 @@
             </a:pPr>
             <a:r>
               <a:rPr lang="en-US" dirty="0" err="1">
-                <a:latin typeface="UT Sans" pitchFamily="50" charset="0"/>
+                <a:latin typeface="UT Sans" panose="00000500000000000000" pitchFamily="50" charset="0"/>
               </a:rPr>
               <a:t>Gestioneaz</a:t>
             </a:r>
             <a:r>
               <a:rPr lang="ro-RO" dirty="0">
-                <a:latin typeface="UT Sans" pitchFamily="50" charset="0"/>
+                <a:latin typeface="UT Sans" panose="00000500000000000000" pitchFamily="50" charset="0"/>
               </a:rPr>
               <a:t>ă</a:t>
             </a:r>
             <a:r>
               <a:rPr lang="en-US" dirty="0">
-                <a:latin typeface="UT Sans" pitchFamily="50" charset="0"/>
+                <a:latin typeface="UT Sans" panose="00000500000000000000" pitchFamily="50" charset="0"/>
               </a:rPr>
               <a:t> </a:t>
             </a:r>
             <a:r>
               <a:rPr lang="en-US" dirty="0" err="1">
-                <a:latin typeface="UT Sans" pitchFamily="50" charset="0"/>
+                <a:latin typeface="UT Sans" panose="00000500000000000000" pitchFamily="50" charset="0"/>
               </a:rPr>
               <a:t>dependin</a:t>
             </a:r>
             <a:r>
               <a:rPr lang="ro-RO" dirty="0">
-                <a:latin typeface="UT Sans" pitchFamily="50" charset="0"/>
+                <a:latin typeface="UT Sans" panose="00000500000000000000" pitchFamily="50" charset="0"/>
               </a:rPr>
               <a:t>ț</a:t>
             </a:r>
             <a:r>
               <a:rPr lang="en-US" dirty="0" err="1">
-                <a:latin typeface="UT Sans" pitchFamily="50" charset="0"/>
+                <a:latin typeface="UT Sans" panose="00000500000000000000" pitchFamily="50" charset="0"/>
               </a:rPr>
               <a:t>ele</a:t>
             </a:r>
             <a:r>
               <a:rPr lang="en-US" dirty="0">
-                <a:latin typeface="UT Sans" pitchFamily="50" charset="0"/>
+                <a:latin typeface="UT Sans" panose="00000500000000000000" pitchFamily="50" charset="0"/>
               </a:rPr>
               <a:t> </a:t>
             </a:r>
             <a:r>
               <a:rPr lang="ro-RO" dirty="0">
-                <a:latin typeface="UT Sans" pitchFamily="50" charset="0"/>
+                <a:latin typeface="UT Sans" panose="00000500000000000000" pitchFamily="50" charset="0"/>
               </a:rPr>
               <a:t>ș</a:t>
             </a:r>
             <a:r>
               <a:rPr lang="en-US" dirty="0" err="1">
-                <a:latin typeface="UT Sans" pitchFamily="50" charset="0"/>
+                <a:latin typeface="UT Sans" panose="00000500000000000000" pitchFamily="50" charset="0"/>
               </a:rPr>
               <a:t>i</a:t>
             </a:r>
             <a:r>
               <a:rPr lang="en-US" dirty="0">
-                <a:latin typeface="UT Sans" pitchFamily="50" charset="0"/>
+                <a:latin typeface="UT Sans" panose="00000500000000000000" pitchFamily="50" charset="0"/>
               </a:rPr>
               <a:t> </a:t>
             </a:r>
             <a:r>
               <a:rPr lang="en-US" dirty="0" err="1">
-                <a:latin typeface="UT Sans" pitchFamily="50" charset="0"/>
+                <a:latin typeface="UT Sans" panose="00000500000000000000" pitchFamily="50" charset="0"/>
               </a:rPr>
               <a:t>procesul</a:t>
             </a:r>
             <a:r>
               <a:rPr lang="en-US" dirty="0">
-                <a:latin typeface="UT Sans" pitchFamily="50" charset="0"/>
+                <a:latin typeface="UT Sans" panose="00000500000000000000" pitchFamily="50" charset="0"/>
               </a:rPr>
               <a:t> de build al </a:t>
             </a:r>
             <a:r>
               <a:rPr lang="en-US" dirty="0" err="1">
-                <a:latin typeface="UT Sans" pitchFamily="50" charset="0"/>
+                <a:latin typeface="UT Sans" panose="00000500000000000000" pitchFamily="50" charset="0"/>
               </a:rPr>
               <a:t>aplica</a:t>
             </a:r>
             <a:r>
               <a:rPr lang="ro-RO" dirty="0">
-                <a:latin typeface="UT Sans" pitchFamily="50" charset="0"/>
+                <a:latin typeface="UT Sans" panose="00000500000000000000" pitchFamily="50" charset="0"/>
               </a:rPr>
               <a:t>ț</a:t>
             </a:r>
             <a:r>
               <a:rPr lang="en-US" dirty="0" err="1">
-                <a:latin typeface="UT Sans" pitchFamily="50" charset="0"/>
+                <a:latin typeface="UT Sans" panose="00000500000000000000" pitchFamily="50" charset="0"/>
               </a:rPr>
               <a:t>iei</a:t>
             </a:r>
@@ -10545,7 +10557,7 @@
               </a:buBlip>
             </a:pPr>
             <a:endParaRPr lang="en-US" sz="1800" dirty="0">
-              <a:latin typeface="UT Sans" pitchFamily="50" charset="0"/>
+              <a:latin typeface="UT Sans" panose="00000500000000000000" pitchFamily="50" charset="0"/>
             </a:endParaRPr>
           </a:p>
           <a:p>
@@ -10555,7 +10567,7 @@
               </a:buBlip>
             </a:pPr>
             <a:endParaRPr lang="ro-RO" sz="1800" dirty="0">
-              <a:latin typeface="UT Sans" pitchFamily="50" charset="0"/>
+              <a:latin typeface="UT Sans" panose="00000500000000000000" pitchFamily="50" charset="0"/>
             </a:endParaRPr>
           </a:p>
         </p:txBody>
@@ -10766,7 +10778,7 @@
         <p:spPr>
           <a:xfrm>
             <a:off x="503548" y="1143071"/>
-            <a:ext cx="3798652" cy="646331"/>
+            <a:ext cx="5256584" cy="646331"/>
           </a:xfrm>
           <a:prstGeom prst="rect">
             <a:avLst/>
@@ -10780,8 +10792,8 @@
           <a:lstStyle/>
           <a:p>
             <a:r>
-              <a:rPr lang="en-US" sz="3600" dirty="0">
-                <a:latin typeface="UT Sans Bold" pitchFamily="50" charset="0"/>
+              <a:rPr lang="en-US" sz="3600" b="1" dirty="0">
+                <a:latin typeface="UT Sans" panose="00000500000000000000" pitchFamily="50" charset="0"/>
               </a:rPr>
               <a:t>UNELTE FOLOSITE</a:t>
             </a:r>
@@ -11408,7 +11420,7 @@
         <p:spPr>
           <a:xfrm>
             <a:off x="503548" y="1143071"/>
-            <a:ext cx="3798652" cy="646331"/>
+            <a:ext cx="4788532" cy="646331"/>
           </a:xfrm>
           <a:prstGeom prst="rect">
             <a:avLst/>
@@ -11422,8 +11434,8 @@
           <a:lstStyle/>
           <a:p>
             <a:r>
-              <a:rPr lang="en-US" sz="3600" dirty="0">
-                <a:latin typeface="UT Sans Bold" pitchFamily="50" charset="0"/>
+              <a:rPr lang="en-US" sz="3600" b="1" dirty="0">
+                <a:latin typeface="UT Sans" panose="00000500000000000000" pitchFamily="50" charset="0"/>
               </a:rPr>
               <a:t>UNELTE FOLOSITE</a:t>
             </a:r>
@@ -12022,7 +12034,7 @@
         <p:spPr>
           <a:xfrm>
             <a:off x="503548" y="1143071"/>
-            <a:ext cx="3798652" cy="646331"/>
+            <a:ext cx="4392488" cy="646331"/>
           </a:xfrm>
           <a:prstGeom prst="rect">
             <a:avLst/>
@@ -12036,8 +12048,8 @@
           <a:lstStyle/>
           <a:p>
             <a:r>
-              <a:rPr lang="en-US" sz="3600" dirty="0">
-                <a:latin typeface="UT Sans Bold" pitchFamily="50" charset="0"/>
+              <a:rPr lang="en-US" sz="3600" b="1" dirty="0">
+                <a:latin typeface="UT Sans" panose="00000500000000000000" pitchFamily="50" charset="0"/>
               </a:rPr>
               <a:t>UNELTE FOLOSITE</a:t>
             </a:r>
@@ -12663,18 +12675,20 @@
         </p:spPr>
         <p:txBody>
           <a:bodyPr>
-            <a:normAutofit/>
+            <a:normAutofit fontScale="90000"/>
           </a:bodyPr>
           <a:lstStyle/>
           <a:p>
             <a:pPr algn="ctr"/>
             <a:r>
-              <a:rPr lang="en-US" sz="3200">
-                <a:latin typeface="UT Sans Bold" pitchFamily="50" charset="0"/>
+              <a:rPr lang="en-US" sz="3200" b="1" dirty="0">
+                <a:latin typeface="UT Sans" panose="00000500000000000000" pitchFamily="50" charset="0"/>
               </a:rPr>
               <a:t>FRONTEND</a:t>
             </a:r>
-            <a:endParaRPr lang="ro-RO" dirty="0"/>
+            <a:endParaRPr lang="ro-RO" b="1" dirty="0">
+              <a:latin typeface="UT Sans" panose="00000500000000000000" pitchFamily="50" charset="0"/>
+            </a:endParaRPr>
           </a:p>
         </p:txBody>
       </p:sp>
@@ -13224,7 +13238,7 @@
         </p:spPr>
         <p:txBody>
           <a:bodyPr vert="horz" lIns="91440" tIns="45720" rIns="91440" bIns="45720" rtlCol="0" anchor="ctr">
-            <a:normAutofit/>
+            <a:normAutofit lnSpcReduction="10000"/>
           </a:bodyPr>
           <a:lstStyle>
             <a:lvl1pPr algn="l" defTabSz="685800" rtl="0" eaLnBrk="1" latinLnBrk="0" hangingPunct="1">
@@ -13248,12 +13262,14 @@
           <a:p>
             <a:pPr algn="ctr"/>
             <a:r>
-              <a:rPr lang="en-US" sz="3200" dirty="0">
-                <a:latin typeface="UT Sans Bold" pitchFamily="50" charset="0"/>
+              <a:rPr lang="en-US" sz="3200" b="1" dirty="0">
+                <a:latin typeface="UT Sans" panose="00000500000000000000" pitchFamily="50" charset="0"/>
               </a:rPr>
               <a:t>BACKEND</a:t>
             </a:r>
-            <a:endParaRPr lang="ro-RO" dirty="0"/>
+            <a:endParaRPr lang="ro-RO" b="1" dirty="0">
+              <a:latin typeface="UT Sans" panose="00000500000000000000" pitchFamily="50" charset="0"/>
+            </a:endParaRPr>
           </a:p>
         </p:txBody>
       </p:sp>
@@ -13462,8 +13478,8 @@
         </p:nvSpPr>
         <p:spPr>
           <a:xfrm>
-            <a:off x="2758241" y="540357"/>
-            <a:ext cx="3627518" cy="646331"/>
+            <a:off x="1979712" y="540357"/>
+            <a:ext cx="5184576" cy="646331"/>
           </a:xfrm>
           <a:prstGeom prst="rect">
             <a:avLst/>
@@ -13478,8 +13494,8 @@
           <a:p>
             <a:pPr algn="ctr"/>
             <a:r>
-              <a:rPr lang="en-US" sz="3600" dirty="0">
-                <a:latin typeface="UT Sans Bold" pitchFamily="50" charset="0"/>
+              <a:rPr lang="en-US" sz="3600" b="1" dirty="0">
+                <a:latin typeface="UT Sans" panose="00000500000000000000" pitchFamily="50" charset="0"/>
               </a:rPr>
               <a:t>PAGINA DE PROFIL</a:t>
             </a:r>
@@ -13736,20 +13752,20 @@
           <a:p>
             <a:pPr algn="ctr"/>
             <a:r>
-              <a:rPr lang="en-US" sz="3600" dirty="0">
-                <a:latin typeface="UT Sans Bold" pitchFamily="50" charset="0"/>
+              <a:rPr lang="en-US" sz="3600" b="1" dirty="0">
+                <a:latin typeface="UT Sans" panose="00000500000000000000" pitchFamily="50" charset="0"/>
               </a:rPr>
               <a:t>LOGIN </a:t>
             </a:r>
             <a:r>
-              <a:rPr lang="ro-RO" sz="3600" dirty="0">
-                <a:latin typeface="UT Sans Bold" pitchFamily="50" charset="0"/>
+              <a:rPr lang="ro-RO" sz="3600" b="1" dirty="0">
+                <a:latin typeface="UT Sans" panose="00000500000000000000" pitchFamily="50" charset="0"/>
               </a:rPr>
               <a:t>Ș</a:t>
             </a:r>
             <a:r>
-              <a:rPr lang="en-US" sz="3600" dirty="0">
-                <a:latin typeface="UT Sans Bold" pitchFamily="50" charset="0"/>
+              <a:rPr lang="en-US" sz="3600" b="1" dirty="0">
+                <a:latin typeface="UT Sans" panose="00000500000000000000" pitchFamily="50" charset="0"/>
               </a:rPr>
               <a:t>I REGISTER</a:t>
             </a:r>
